--- a/TCS-Project2.pptx
+++ b/TCS-Project2.pptx
@@ -10,8 +10,10 @@
     <p:sldId id="258" r:id="rId4"/>
     <p:sldId id="259" r:id="rId5"/>
     <p:sldId id="261" r:id="rId6"/>
-    <p:sldId id="260" r:id="rId7"/>
-    <p:sldId id="262" r:id="rId8"/>
+    <p:sldId id="263" r:id="rId7"/>
+    <p:sldId id="264" r:id="rId8"/>
+    <p:sldId id="260" r:id="rId9"/>
+    <p:sldId id="262" r:id="rId10"/>
   </p:sldIdLst>
   <p:sldSz cx="12192000" cy="6858000"/>
   <p:notesSz cx="6858000" cy="9144000"/>
@@ -110,6 +112,11 @@
       </a:defRPr>
     </a:lvl9pPr>
   </p:defaultTextStyle>
+  <p:extLst>
+    <p:ext uri="{EFAFB233-063F-42B5-8137-9DF3F51BA10A}">
+      <p15:sldGuideLst xmlns:p15="http://schemas.microsoft.com/office/powerpoint/2012/main"/>
+    </p:ext>
+  </p:extLst>
 </p:presentation>
 </file>
 
@@ -835,7 +842,7 @@
           <a:p>
             <a:fld id="{A3BBE187-8931-4DAD-9D01-38A696F400AA}" type="datetimeFigureOut">
               <a:rPr lang="en-US" smtClean="0"/>
-              <a:t>3/30/2020</a:t>
+              <a:t>3/31/2020</a:t>
             </a:fld>
             <a:endParaRPr lang="en-US"/>
           </a:p>
@@ -1086,7 +1093,7 @@
           <a:p>
             <a:fld id="{A3BBE187-8931-4DAD-9D01-38A696F400AA}" type="datetimeFigureOut">
               <a:rPr lang="en-US" smtClean="0"/>
-              <a:t>3/30/2020</a:t>
+              <a:t>3/31/2020</a:t>
             </a:fld>
             <a:endParaRPr lang="en-US"/>
           </a:p>
@@ -1400,7 +1407,7 @@
           <a:p>
             <a:fld id="{A3BBE187-8931-4DAD-9D01-38A696F400AA}" type="datetimeFigureOut">
               <a:rPr lang="en-US" smtClean="0"/>
-              <a:t>3/30/2020</a:t>
+              <a:t>3/31/2020</a:t>
             </a:fld>
             <a:endParaRPr lang="en-US"/>
           </a:p>
@@ -1741,7 +1748,7 @@
           <a:p>
             <a:fld id="{A3BBE187-8931-4DAD-9D01-38A696F400AA}" type="datetimeFigureOut">
               <a:rPr lang="en-US" smtClean="0"/>
-              <a:t>3/30/2020</a:t>
+              <a:t>3/31/2020</a:t>
             </a:fld>
             <a:endParaRPr lang="en-US"/>
           </a:p>
@@ -2055,7 +2062,7 @@
           <a:p>
             <a:fld id="{A3BBE187-8931-4DAD-9D01-38A696F400AA}" type="datetimeFigureOut">
               <a:rPr lang="en-US" smtClean="0"/>
-              <a:t>3/30/2020</a:t>
+              <a:t>3/31/2020</a:t>
             </a:fld>
             <a:endParaRPr lang="en-US"/>
           </a:p>
@@ -2448,7 +2455,7 @@
           <a:p>
             <a:fld id="{A3BBE187-8931-4DAD-9D01-38A696F400AA}" type="datetimeFigureOut">
               <a:rPr lang="en-US" smtClean="0"/>
-              <a:t>3/30/2020</a:t>
+              <a:t>3/31/2020</a:t>
             </a:fld>
             <a:endParaRPr lang="en-US"/>
           </a:p>
@@ -2618,7 +2625,7 @@
           <a:p>
             <a:fld id="{A3BBE187-8931-4DAD-9D01-38A696F400AA}" type="datetimeFigureOut">
               <a:rPr lang="en-US" smtClean="0"/>
-              <a:t>3/30/2020</a:t>
+              <a:t>3/31/2020</a:t>
             </a:fld>
             <a:endParaRPr lang="en-US"/>
           </a:p>
@@ -2798,7 +2805,7 @@
           <a:p>
             <a:fld id="{A3BBE187-8931-4DAD-9D01-38A696F400AA}" type="datetimeFigureOut">
               <a:rPr lang="en-US" smtClean="0"/>
-              <a:t>3/30/2020</a:t>
+              <a:t>3/31/2020</a:t>
             </a:fld>
             <a:endParaRPr lang="en-US"/>
           </a:p>
@@ -2974,7 +2981,7 @@
           <a:p>
             <a:fld id="{A3BBE187-8931-4DAD-9D01-38A696F400AA}" type="datetimeFigureOut">
               <a:rPr lang="en-US" smtClean="0"/>
-              <a:t>3/30/2020</a:t>
+              <a:t>3/31/2020</a:t>
             </a:fld>
             <a:endParaRPr lang="en-US"/>
           </a:p>
@@ -3221,7 +3228,7 @@
           <a:p>
             <a:fld id="{A3BBE187-8931-4DAD-9D01-38A696F400AA}" type="datetimeFigureOut">
               <a:rPr lang="en-US" smtClean="0"/>
-              <a:t>3/30/2020</a:t>
+              <a:t>3/31/2020</a:t>
             </a:fld>
             <a:endParaRPr lang="en-US"/>
           </a:p>
@@ -3453,7 +3460,7 @@
           <a:p>
             <a:fld id="{A3BBE187-8931-4DAD-9D01-38A696F400AA}" type="datetimeFigureOut">
               <a:rPr lang="en-US" smtClean="0"/>
-              <a:t>3/30/2020</a:t>
+              <a:t>3/31/2020</a:t>
             </a:fld>
             <a:endParaRPr lang="en-US"/>
           </a:p>
@@ -3827,7 +3834,7 @@
           <a:p>
             <a:fld id="{A3BBE187-8931-4DAD-9D01-38A696F400AA}" type="datetimeFigureOut">
               <a:rPr lang="en-US" smtClean="0"/>
-              <a:t>3/30/2020</a:t>
+              <a:t>3/31/2020</a:t>
             </a:fld>
             <a:endParaRPr lang="en-US"/>
           </a:p>
@@ -3950,7 +3957,7 @@
           <a:p>
             <a:fld id="{A3BBE187-8931-4DAD-9D01-38A696F400AA}" type="datetimeFigureOut">
               <a:rPr lang="en-US" smtClean="0"/>
-              <a:t>3/30/2020</a:t>
+              <a:t>3/31/2020</a:t>
             </a:fld>
             <a:endParaRPr lang="en-US"/>
           </a:p>
@@ -4045,7 +4052,7 @@
           <a:p>
             <a:fld id="{A3BBE187-8931-4DAD-9D01-38A696F400AA}" type="datetimeFigureOut">
               <a:rPr lang="en-US" smtClean="0"/>
-              <a:t>3/30/2020</a:t>
+              <a:t>3/31/2020</a:t>
             </a:fld>
             <a:endParaRPr lang="en-US"/>
           </a:p>
@@ -4300,7 +4307,7 @@
           <a:p>
             <a:fld id="{A3BBE187-8931-4DAD-9D01-38A696F400AA}" type="datetimeFigureOut">
               <a:rPr lang="en-US" smtClean="0"/>
-              <a:t>3/30/2020</a:t>
+              <a:t>3/31/2020</a:t>
             </a:fld>
             <a:endParaRPr lang="en-US"/>
           </a:p>
@@ -4563,7 +4570,7 @@
           <a:p>
             <a:fld id="{A3BBE187-8931-4DAD-9D01-38A696F400AA}" type="datetimeFigureOut">
               <a:rPr lang="en-US" smtClean="0"/>
-              <a:t>3/30/2020</a:t>
+              <a:t>3/31/2020</a:t>
             </a:fld>
             <a:endParaRPr lang="en-US"/>
           </a:p>
@@ -5306,7 +5313,7 @@
           <a:p>
             <a:fld id="{A3BBE187-8931-4DAD-9D01-38A696F400AA}" type="datetimeFigureOut">
               <a:rPr lang="en-US" smtClean="0"/>
-              <a:t>3/30/2020</a:t>
+              <a:t>3/31/2020</a:t>
             </a:fld>
             <a:endParaRPr lang="en-US"/>
           </a:p>
@@ -6396,6 +6403,182 @@
           <p:cNvPr id="2" name="Title 1">
             <a:extLst>
               <a:ext uri="{FF2B5EF4-FFF2-40B4-BE49-F238E27FC236}">
+                <a16:creationId xmlns:a16="http://schemas.microsoft.com/office/drawing/2014/main" id="{6DF223FA-E191-4761-83F5-C9EBD999FB60}"/>
+              </a:ext>
+            </a:extLst>
+          </p:cNvPr>
+          <p:cNvSpPr>
+            <a:spLocks noGrp="1"/>
+          </p:cNvSpPr>
+          <p:nvPr>
+            <p:ph type="title"/>
+          </p:nvPr>
+        </p:nvSpPr>
+        <p:spPr/>
+        <p:txBody>
+          <a:bodyPr/>
+          <a:lstStyle/>
+          <a:p>
+            <a:r>
+              <a:rPr lang="en-US" dirty="0"/>
+              <a:t>History page</a:t>
+            </a:r>
+          </a:p>
+        </p:txBody>
+      </p:sp>
+      <p:sp>
+        <p:nvSpPr>
+          <p:cNvPr id="3" name="Content Placeholder 2">
+            <a:extLst>
+              <a:ext uri="{FF2B5EF4-FFF2-40B4-BE49-F238E27FC236}">
+                <a16:creationId xmlns:a16="http://schemas.microsoft.com/office/drawing/2014/main" id="{B54B192E-3A9F-4B18-A26D-913160A02FC1}"/>
+              </a:ext>
+            </a:extLst>
+          </p:cNvPr>
+          <p:cNvSpPr>
+            <a:spLocks noGrp="1"/>
+          </p:cNvSpPr>
+          <p:nvPr>
+            <p:ph idx="1"/>
+          </p:nvPr>
+        </p:nvSpPr>
+        <p:spPr/>
+        <p:txBody>
+          <a:bodyPr/>
+          <a:lstStyle/>
+          <a:p>
+            <a:r>
+              <a:rPr lang="en-US" dirty="0"/>
+              <a:t>For the history page, it follows the same headline format as the 2018 congress page. The text will be accompanied by a photo of the place where the organization was founded. It is important for users to connect a place to a company, such as it is important when asking a person what city they were born in and learn the history about the person/company.</a:t>
+            </a:r>
+          </a:p>
+        </p:txBody>
+      </p:sp>
+    </p:spTree>
+    <p:extLst>
+      <p:ext uri="{BB962C8B-B14F-4D97-AF65-F5344CB8AC3E}">
+        <p14:creationId xmlns:p14="http://schemas.microsoft.com/office/powerpoint/2010/main" val="1108579721"/>
+      </p:ext>
+    </p:extLst>
+  </p:cSld>
+  <p:clrMapOvr>
+    <a:masterClrMapping/>
+  </p:clrMapOvr>
+</p:sld>
+</file>
+
+<file path=ppt/slides/slide7.xml><?xml version="1.0" encoding="utf-8"?>
+<p:sld xmlns:a="http://schemas.openxmlformats.org/drawingml/2006/main" xmlns:r="http://schemas.openxmlformats.org/officeDocument/2006/relationships" xmlns:p="http://schemas.openxmlformats.org/presentationml/2006/main">
+  <p:cSld>
+    <p:spTree>
+      <p:nvGrpSpPr>
+        <p:cNvPr id="1" name=""/>
+        <p:cNvGrpSpPr/>
+        <p:nvPr/>
+      </p:nvGrpSpPr>
+      <p:grpSpPr>
+        <a:xfrm>
+          <a:off x="0" y="0"/>
+          <a:ext cx="0" cy="0"/>
+          <a:chOff x="0" y="0"/>
+          <a:chExt cx="0" cy="0"/>
+        </a:xfrm>
+      </p:grpSpPr>
+      <p:sp>
+        <p:nvSpPr>
+          <p:cNvPr id="2" name="Title 1">
+            <a:extLst>
+              <a:ext uri="{FF2B5EF4-FFF2-40B4-BE49-F238E27FC236}">
+                <a16:creationId xmlns:a16="http://schemas.microsoft.com/office/drawing/2014/main" id="{F7F5C27F-7AC2-431D-B42E-24AB08FBC1E8}"/>
+              </a:ext>
+            </a:extLst>
+          </p:cNvPr>
+          <p:cNvSpPr>
+            <a:spLocks noGrp="1"/>
+          </p:cNvSpPr>
+          <p:nvPr>
+            <p:ph type="title"/>
+          </p:nvPr>
+        </p:nvSpPr>
+        <p:spPr/>
+        <p:txBody>
+          <a:bodyPr/>
+          <a:lstStyle/>
+          <a:p>
+            <a:r>
+              <a:rPr lang="en-US" dirty="0"/>
+              <a:t>History page resign</a:t>
+            </a:r>
+          </a:p>
+        </p:txBody>
+      </p:sp>
+      <p:pic>
+        <p:nvPicPr>
+          <p:cNvPr id="4" name="Content Placeholder 3">
+            <a:extLst>
+              <a:ext uri="{FF2B5EF4-FFF2-40B4-BE49-F238E27FC236}">
+                <a16:creationId xmlns:a16="http://schemas.microsoft.com/office/drawing/2014/main" id="{A5E859E2-69AE-480C-B1E4-8B7B4E2A39CA}"/>
+              </a:ext>
+            </a:extLst>
+          </p:cNvPr>
+          <p:cNvPicPr>
+            <a:picLocks noGrp="1" noChangeAspect="1"/>
+          </p:cNvPicPr>
+          <p:nvPr>
+            <p:ph idx="1"/>
+          </p:nvPr>
+        </p:nvPicPr>
+        <p:blipFill>
+          <a:blip r:embed="rId2"/>
+          <a:stretch>
+            <a:fillRect/>
+          </a:stretch>
+        </p:blipFill>
+        <p:spPr>
+          <a:xfrm>
+            <a:off x="600075" y="2209739"/>
+            <a:ext cx="9744075" cy="4212019"/>
+          </a:xfrm>
+          <a:prstGeom prst="rect">
+            <a:avLst/>
+          </a:prstGeom>
+        </p:spPr>
+      </p:pic>
+    </p:spTree>
+    <p:extLst>
+      <p:ext uri="{BB962C8B-B14F-4D97-AF65-F5344CB8AC3E}">
+        <p14:creationId xmlns:p14="http://schemas.microsoft.com/office/powerpoint/2010/main" val="531365067"/>
+      </p:ext>
+    </p:extLst>
+  </p:cSld>
+  <p:clrMapOvr>
+    <a:masterClrMapping/>
+  </p:clrMapOvr>
+</p:sld>
+</file>
+
+<file path=ppt/slides/slide8.xml><?xml version="1.0" encoding="utf-8"?>
+<p:sld xmlns:a="http://schemas.openxmlformats.org/drawingml/2006/main" xmlns:r="http://schemas.openxmlformats.org/officeDocument/2006/relationships" xmlns:p="http://schemas.openxmlformats.org/presentationml/2006/main">
+  <p:cSld>
+    <p:spTree>
+      <p:nvGrpSpPr>
+        <p:cNvPr id="1" name=""/>
+        <p:cNvGrpSpPr/>
+        <p:nvPr/>
+      </p:nvGrpSpPr>
+      <p:grpSpPr>
+        <a:xfrm>
+          <a:off x="0" y="0"/>
+          <a:ext cx="0" cy="0"/>
+          <a:chOff x="0" y="0"/>
+          <a:chExt cx="0" cy="0"/>
+        </a:xfrm>
+      </p:grpSpPr>
+      <p:sp>
+        <p:nvSpPr>
+          <p:cNvPr id="2" name="Title 1">
+            <a:extLst>
+              <a:ext uri="{FF2B5EF4-FFF2-40B4-BE49-F238E27FC236}">
                 <a16:creationId xmlns:a16="http://schemas.microsoft.com/office/drawing/2014/main" id="{3B3D0C02-5E93-4FC0-BC22-146BA504DEBF}"/>
               </a:ext>
             </a:extLst>
@@ -6483,7 +6666,7 @@
 </p:sld>
 </file>
 
-<file path=ppt/slides/slide7.xml><?xml version="1.0" encoding="utf-8"?>
+<file path=ppt/slides/slide9.xml><?xml version="1.0" encoding="utf-8"?>
 <p:sld xmlns:a="http://schemas.openxmlformats.org/drawingml/2006/main" xmlns:r="http://schemas.openxmlformats.org/officeDocument/2006/relationships" xmlns:p="http://schemas.openxmlformats.org/presentationml/2006/main">
   <p:cSld>
     <p:spTree>

--- a/TCS-Project2.pptx
+++ b/TCS-Project2.pptx
@@ -842,7 +842,7 @@
           <a:p>
             <a:fld id="{A3BBE187-8931-4DAD-9D01-38A696F400AA}" type="datetimeFigureOut">
               <a:rPr lang="en-US" smtClean="0"/>
-              <a:t>3/31/2020</a:t>
+              <a:t>4/11/2020</a:t>
             </a:fld>
             <a:endParaRPr lang="en-US"/>
           </a:p>
@@ -1093,7 +1093,7 @@
           <a:p>
             <a:fld id="{A3BBE187-8931-4DAD-9D01-38A696F400AA}" type="datetimeFigureOut">
               <a:rPr lang="en-US" smtClean="0"/>
-              <a:t>3/31/2020</a:t>
+              <a:t>4/11/2020</a:t>
             </a:fld>
             <a:endParaRPr lang="en-US"/>
           </a:p>
@@ -1407,7 +1407,7 @@
           <a:p>
             <a:fld id="{A3BBE187-8931-4DAD-9D01-38A696F400AA}" type="datetimeFigureOut">
               <a:rPr lang="en-US" smtClean="0"/>
-              <a:t>3/31/2020</a:t>
+              <a:t>4/11/2020</a:t>
             </a:fld>
             <a:endParaRPr lang="en-US"/>
           </a:p>
@@ -1748,7 +1748,7 @@
           <a:p>
             <a:fld id="{A3BBE187-8931-4DAD-9D01-38A696F400AA}" type="datetimeFigureOut">
               <a:rPr lang="en-US" smtClean="0"/>
-              <a:t>3/31/2020</a:t>
+              <a:t>4/11/2020</a:t>
             </a:fld>
             <a:endParaRPr lang="en-US"/>
           </a:p>
@@ -2062,7 +2062,7 @@
           <a:p>
             <a:fld id="{A3BBE187-8931-4DAD-9D01-38A696F400AA}" type="datetimeFigureOut">
               <a:rPr lang="en-US" smtClean="0"/>
-              <a:t>3/31/2020</a:t>
+              <a:t>4/11/2020</a:t>
             </a:fld>
             <a:endParaRPr lang="en-US"/>
           </a:p>
@@ -2455,7 +2455,7 @@
           <a:p>
             <a:fld id="{A3BBE187-8931-4DAD-9D01-38A696F400AA}" type="datetimeFigureOut">
               <a:rPr lang="en-US" smtClean="0"/>
-              <a:t>3/31/2020</a:t>
+              <a:t>4/11/2020</a:t>
             </a:fld>
             <a:endParaRPr lang="en-US"/>
           </a:p>
@@ -2625,7 +2625,7 @@
           <a:p>
             <a:fld id="{A3BBE187-8931-4DAD-9D01-38A696F400AA}" type="datetimeFigureOut">
               <a:rPr lang="en-US" smtClean="0"/>
-              <a:t>3/31/2020</a:t>
+              <a:t>4/11/2020</a:t>
             </a:fld>
             <a:endParaRPr lang="en-US"/>
           </a:p>
@@ -2805,7 +2805,7 @@
           <a:p>
             <a:fld id="{A3BBE187-8931-4DAD-9D01-38A696F400AA}" type="datetimeFigureOut">
               <a:rPr lang="en-US" smtClean="0"/>
-              <a:t>3/31/2020</a:t>
+              <a:t>4/11/2020</a:t>
             </a:fld>
             <a:endParaRPr lang="en-US"/>
           </a:p>
@@ -2981,7 +2981,7 @@
           <a:p>
             <a:fld id="{A3BBE187-8931-4DAD-9D01-38A696F400AA}" type="datetimeFigureOut">
               <a:rPr lang="en-US" smtClean="0"/>
-              <a:t>3/31/2020</a:t>
+              <a:t>4/11/2020</a:t>
             </a:fld>
             <a:endParaRPr lang="en-US"/>
           </a:p>
@@ -3228,7 +3228,7 @@
           <a:p>
             <a:fld id="{A3BBE187-8931-4DAD-9D01-38A696F400AA}" type="datetimeFigureOut">
               <a:rPr lang="en-US" smtClean="0"/>
-              <a:t>3/31/2020</a:t>
+              <a:t>4/11/2020</a:t>
             </a:fld>
             <a:endParaRPr lang="en-US"/>
           </a:p>
@@ -3460,7 +3460,7 @@
           <a:p>
             <a:fld id="{A3BBE187-8931-4DAD-9D01-38A696F400AA}" type="datetimeFigureOut">
               <a:rPr lang="en-US" smtClean="0"/>
-              <a:t>3/31/2020</a:t>
+              <a:t>4/11/2020</a:t>
             </a:fld>
             <a:endParaRPr lang="en-US"/>
           </a:p>
@@ -3834,7 +3834,7 @@
           <a:p>
             <a:fld id="{A3BBE187-8931-4DAD-9D01-38A696F400AA}" type="datetimeFigureOut">
               <a:rPr lang="en-US" smtClean="0"/>
-              <a:t>3/31/2020</a:t>
+              <a:t>4/11/2020</a:t>
             </a:fld>
             <a:endParaRPr lang="en-US"/>
           </a:p>
@@ -3957,7 +3957,7 @@
           <a:p>
             <a:fld id="{A3BBE187-8931-4DAD-9D01-38A696F400AA}" type="datetimeFigureOut">
               <a:rPr lang="en-US" smtClean="0"/>
-              <a:t>3/31/2020</a:t>
+              <a:t>4/11/2020</a:t>
             </a:fld>
             <a:endParaRPr lang="en-US"/>
           </a:p>
@@ -4052,7 +4052,7 @@
           <a:p>
             <a:fld id="{A3BBE187-8931-4DAD-9D01-38A696F400AA}" type="datetimeFigureOut">
               <a:rPr lang="en-US" smtClean="0"/>
-              <a:t>3/31/2020</a:t>
+              <a:t>4/11/2020</a:t>
             </a:fld>
             <a:endParaRPr lang="en-US"/>
           </a:p>
@@ -4307,7 +4307,7 @@
           <a:p>
             <a:fld id="{A3BBE187-8931-4DAD-9D01-38A696F400AA}" type="datetimeFigureOut">
               <a:rPr lang="en-US" smtClean="0"/>
-              <a:t>3/31/2020</a:t>
+              <a:t>4/11/2020</a:t>
             </a:fld>
             <a:endParaRPr lang="en-US"/>
           </a:p>
@@ -4570,7 +4570,7 @@
           <a:p>
             <a:fld id="{A3BBE187-8931-4DAD-9D01-38A696F400AA}" type="datetimeFigureOut">
               <a:rPr lang="en-US" smtClean="0"/>
-              <a:t>3/31/2020</a:t>
+              <a:t>4/11/2020</a:t>
             </a:fld>
             <a:endParaRPr lang="en-US"/>
           </a:p>
@@ -5313,7 +5313,7 @@
           <a:p>
             <a:fld id="{A3BBE187-8931-4DAD-9D01-38A696F400AA}" type="datetimeFigureOut">
               <a:rPr lang="en-US" smtClean="0"/>
-              <a:t>3/31/2020</a:t>
+              <a:t>4/11/2020</a:t>
             </a:fld>
             <a:endParaRPr lang="en-US"/>
           </a:p>
